--- a/Lecture2_NumericalQuadrature/Lecture2_Numerical Quadrature.pptx
+++ b/Lecture2_NumericalQuadrature/Lecture2_Numerical Quadrature.pptx
@@ -5,21 +5,22 @@
     <p:sldMasterId id="2147483648" r:id="rId1"/>
   </p:sldMasterIdLst>
   <p:notesMasterIdLst>
-    <p:notesMasterId r:id="rId14"/>
+    <p:notesMasterId r:id="rId15"/>
   </p:notesMasterIdLst>
   <p:sldIdLst>
     <p:sldId id="258" r:id="rId2"/>
     <p:sldId id="261" r:id="rId3"/>
-    <p:sldId id="299" r:id="rId4"/>
-    <p:sldId id="300" r:id="rId5"/>
-    <p:sldId id="301" r:id="rId6"/>
-    <p:sldId id="316" r:id="rId7"/>
-    <p:sldId id="315" r:id="rId8"/>
-    <p:sldId id="313" r:id="rId9"/>
-    <p:sldId id="317" r:id="rId10"/>
-    <p:sldId id="304" r:id="rId11"/>
-    <p:sldId id="318" r:id="rId12"/>
-    <p:sldId id="308" r:id="rId13"/>
+    <p:sldId id="319" r:id="rId4"/>
+    <p:sldId id="299" r:id="rId5"/>
+    <p:sldId id="300" r:id="rId6"/>
+    <p:sldId id="301" r:id="rId7"/>
+    <p:sldId id="316" r:id="rId8"/>
+    <p:sldId id="315" r:id="rId9"/>
+    <p:sldId id="313" r:id="rId10"/>
+    <p:sldId id="317" r:id="rId11"/>
+    <p:sldId id="304" r:id="rId12"/>
+    <p:sldId id="318" r:id="rId13"/>
+    <p:sldId id="308" r:id="rId14"/>
   </p:sldIdLst>
   <p:sldSz cx="9144000" cy="6858000" type="screen4x3"/>
   <p:notesSz cx="6858000" cy="9144000"/>
@@ -220,7 +221,7 @@
             <a:fld id="{C3F542C9-2D7A-0F44-B8C7-9A40869168D5}" type="datetimeFigureOut">
               <a:rPr lang="en-US" smtClean="0"/>
               <a:pPr/>
-              <a:t>10/4/19</a:t>
+              <a:t>9/11/20</a:t>
             </a:fld>
             <a:endParaRPr lang="en-US"/>
           </a:p>
@@ -531,8 +532,13 @@
         </p:nvSpPr>
         <p:spPr/>
         <p:txBody>
-          <a:bodyPr/>
+          <a:bodyPr>
+            <a:normAutofit/>
+          </a:bodyPr>
           <a:lstStyle/>
+          <a:p>
+            <a:endParaRPr lang="en-US" dirty="0"/>
+          </a:p>
           <a:p>
             <a:endParaRPr lang="en-US" dirty="0"/>
           </a:p>
@@ -556,7 +562,92 @@
             <a:fld id="{750445C6-4FC1-0D4C-8197-D90AC1D2D9D2}" type="slidenum">
               <a:rPr lang="en-US" smtClean="0"/>
               <a:pPr/>
-              <a:t>4</a:t>
+              <a:t>3</a:t>
+            </a:fld>
+            <a:endParaRPr lang="en-US"/>
+          </a:p>
+        </p:txBody>
+      </p:sp>
+    </p:spTree>
+    <p:extLst>
+      <p:ext uri="{BB962C8B-B14F-4D97-AF65-F5344CB8AC3E}">
+        <p14:creationId xmlns:p14="http://schemas.microsoft.com/office/powerpoint/2010/main" val="757911032"/>
+      </p:ext>
+    </p:extLst>
+  </p:cSld>
+  <p:clrMapOvr>
+    <a:masterClrMapping/>
+  </p:clrMapOvr>
+</p:notes>
+</file>
+
+<file path=ppt/notesSlides/notesSlide2.xml><?xml version="1.0" encoding="utf-8"?>
+<p:notes xmlns:a="http://schemas.openxmlformats.org/drawingml/2006/main" xmlns:r="http://schemas.openxmlformats.org/officeDocument/2006/relationships" xmlns:p="http://schemas.openxmlformats.org/presentationml/2006/main">
+  <p:cSld>
+    <p:spTree>
+      <p:nvGrpSpPr>
+        <p:cNvPr id="1" name=""/>
+        <p:cNvGrpSpPr/>
+        <p:nvPr/>
+      </p:nvGrpSpPr>
+      <p:grpSpPr>
+        <a:xfrm>
+          <a:off x="0" y="0"/>
+          <a:ext cx="0" cy="0"/>
+          <a:chOff x="0" y="0"/>
+          <a:chExt cx="0" cy="0"/>
+        </a:xfrm>
+      </p:grpSpPr>
+      <p:sp>
+        <p:nvSpPr>
+          <p:cNvPr id="2" name="Slide Image Placeholder 1"/>
+          <p:cNvSpPr>
+            <a:spLocks noGrp="1" noRot="1" noChangeAspect="1"/>
+          </p:cNvSpPr>
+          <p:nvPr>
+            <p:ph type="sldImg"/>
+          </p:nvPr>
+        </p:nvSpPr>
+        <p:spPr/>
+      </p:sp>
+      <p:sp>
+        <p:nvSpPr>
+          <p:cNvPr id="3" name="Notes Placeholder 2"/>
+          <p:cNvSpPr>
+            <a:spLocks noGrp="1"/>
+          </p:cNvSpPr>
+          <p:nvPr>
+            <p:ph type="body" idx="1"/>
+          </p:nvPr>
+        </p:nvSpPr>
+        <p:spPr/>
+        <p:txBody>
+          <a:bodyPr/>
+          <a:lstStyle/>
+          <a:p>
+            <a:endParaRPr lang="en-US" dirty="0"/>
+          </a:p>
+        </p:txBody>
+      </p:sp>
+      <p:sp>
+        <p:nvSpPr>
+          <p:cNvPr id="4" name="Slide Number Placeholder 3"/>
+          <p:cNvSpPr>
+            <a:spLocks noGrp="1"/>
+          </p:cNvSpPr>
+          <p:nvPr>
+            <p:ph type="sldNum" sz="quarter" idx="10"/>
+          </p:nvPr>
+        </p:nvSpPr>
+        <p:spPr/>
+        <p:txBody>
+          <a:bodyPr/>
+          <a:lstStyle/>
+          <a:p>
+            <a:fld id="{750445C6-4FC1-0D4C-8197-D90AC1D2D9D2}" type="slidenum">
+              <a:rPr lang="en-US" smtClean="0"/>
+              <a:pPr/>
+              <a:t>5</a:t>
             </a:fld>
             <a:endParaRPr lang="en-US"/>
           </a:p>
@@ -755,7 +846,7 @@
             <a:fld id="{582FCB80-77F9-A04E-BD06-E1B2E2D3F1EB}" type="datetimeFigureOut">
               <a:rPr lang="en-US" smtClean="0"/>
               <a:pPr/>
-              <a:t>10/4/19</a:t>
+              <a:t>9/11/20</a:t>
             </a:fld>
             <a:endParaRPr lang="en-US"/>
           </a:p>
@@ -920,7 +1011,7 @@
             <a:fld id="{582FCB80-77F9-A04E-BD06-E1B2E2D3F1EB}" type="datetimeFigureOut">
               <a:rPr lang="en-US" smtClean="0"/>
               <a:pPr/>
-              <a:t>10/4/19</a:t>
+              <a:t>9/11/20</a:t>
             </a:fld>
             <a:endParaRPr lang="en-US"/>
           </a:p>
@@ -1095,7 +1186,7 @@
             <a:fld id="{582FCB80-77F9-A04E-BD06-E1B2E2D3F1EB}" type="datetimeFigureOut">
               <a:rPr lang="en-US" smtClean="0"/>
               <a:pPr/>
-              <a:t>10/4/19</a:t>
+              <a:t>9/11/20</a:t>
             </a:fld>
             <a:endParaRPr lang="en-US"/>
           </a:p>
@@ -1260,7 +1351,7 @@
             <a:fld id="{582FCB80-77F9-A04E-BD06-E1B2E2D3F1EB}" type="datetimeFigureOut">
               <a:rPr lang="en-US" smtClean="0"/>
               <a:pPr/>
-              <a:t>10/4/19</a:t>
+              <a:t>9/11/20</a:t>
             </a:fld>
             <a:endParaRPr lang="en-US"/>
           </a:p>
@@ -1502,7 +1593,7 @@
             <a:fld id="{582FCB80-77F9-A04E-BD06-E1B2E2D3F1EB}" type="datetimeFigureOut">
               <a:rPr lang="en-US" smtClean="0"/>
               <a:pPr/>
-              <a:t>10/4/19</a:t>
+              <a:t>9/11/20</a:t>
             </a:fld>
             <a:endParaRPr lang="en-US"/>
           </a:p>
@@ -1784,7 +1875,7 @@
             <a:fld id="{582FCB80-77F9-A04E-BD06-E1B2E2D3F1EB}" type="datetimeFigureOut">
               <a:rPr lang="en-US" smtClean="0"/>
               <a:pPr/>
-              <a:t>10/4/19</a:t>
+              <a:t>9/11/20</a:t>
             </a:fld>
             <a:endParaRPr lang="en-US"/>
           </a:p>
@@ -2200,7 +2291,7 @@
             <a:fld id="{582FCB80-77F9-A04E-BD06-E1B2E2D3F1EB}" type="datetimeFigureOut">
               <a:rPr lang="en-US" smtClean="0"/>
               <a:pPr/>
-              <a:t>10/4/19</a:t>
+              <a:t>9/11/20</a:t>
             </a:fld>
             <a:endParaRPr lang="en-US"/>
           </a:p>
@@ -2314,7 +2405,7 @@
             <a:fld id="{582FCB80-77F9-A04E-BD06-E1B2E2D3F1EB}" type="datetimeFigureOut">
               <a:rPr lang="en-US" smtClean="0"/>
               <a:pPr/>
-              <a:t>10/4/19</a:t>
+              <a:t>9/11/20</a:t>
             </a:fld>
             <a:endParaRPr lang="en-US"/>
           </a:p>
@@ -2406,7 +2497,7 @@
             <a:fld id="{582FCB80-77F9-A04E-BD06-E1B2E2D3F1EB}" type="datetimeFigureOut">
               <a:rPr lang="en-US" smtClean="0"/>
               <a:pPr/>
-              <a:t>10/4/19</a:t>
+              <a:t>9/11/20</a:t>
             </a:fld>
             <a:endParaRPr lang="en-US"/>
           </a:p>
@@ -2678,7 +2769,7 @@
             <a:fld id="{582FCB80-77F9-A04E-BD06-E1B2E2D3F1EB}" type="datetimeFigureOut">
               <a:rPr lang="en-US" smtClean="0"/>
               <a:pPr/>
-              <a:t>10/4/19</a:t>
+              <a:t>9/11/20</a:t>
             </a:fld>
             <a:endParaRPr lang="en-US"/>
           </a:p>
@@ -2927,7 +3018,7 @@
             <a:fld id="{582FCB80-77F9-A04E-BD06-E1B2E2D3F1EB}" type="datetimeFigureOut">
               <a:rPr lang="en-US" smtClean="0"/>
               <a:pPr/>
-              <a:t>10/4/19</a:t>
+              <a:t>9/11/20</a:t>
             </a:fld>
             <a:endParaRPr lang="en-US"/>
           </a:p>
@@ -3135,7 +3226,7 @@
             <a:fld id="{582FCB80-77F9-A04E-BD06-E1B2E2D3F1EB}" type="datetimeFigureOut">
               <a:rPr lang="en-US" smtClean="0"/>
               <a:pPr/>
-              <a:t>10/4/19</a:t>
+              <a:t>9/11/20</a:t>
             </a:fld>
             <a:endParaRPr lang="en-US"/>
           </a:p>
@@ -3806,7 +3897,7 @@
           <p:nvPr/>
         </p:nvPicPr>
         <p:blipFill>
-          <a:blip r:embed="rId3"/>
+          <a:blip r:embed="rId2"/>
           <a:stretch>
             <a:fillRect/>
           </a:stretch>
@@ -3929,7 +4020,7 @@
                 </a:solidFill>
                 <a:latin typeface="Adobe Caslon Pro Bold"/>
               </a:rPr>
-              <a:t>QUADRATURE  COMPARISON 2:  EASIER FUNCTION</a:t>
+              <a:t>QUADRATURE COMPARISON 1 – LOW AND HIGH ACCURACY</a:t>
             </a:r>
             <a:endParaRPr lang="en-US" sz="2000" b="1" dirty="0">
               <a:solidFill>
@@ -4028,6 +4119,492 @@
           </a:p>
         </p:txBody>
       </p:sp>
+      <p:sp>
+        <p:nvSpPr>
+          <p:cNvPr id="10" name="Rectangle 9"/>
+          <p:cNvSpPr/>
+          <p:nvPr/>
+        </p:nvSpPr>
+        <p:spPr>
+          <a:xfrm>
+            <a:off x="2627784" y="1811118"/>
+            <a:ext cx="3816424" cy="288032"/>
+          </a:xfrm>
+          <a:prstGeom prst="rect">
+            <a:avLst/>
+          </a:prstGeom>
+          <a:solidFill>
+            <a:schemeClr val="bg1"/>
+          </a:solidFill>
+          <a:ln>
+            <a:solidFill>
+              <a:schemeClr val="bg1"/>
+            </a:solidFill>
+          </a:ln>
+          <a:effectLst/>
+        </p:spPr>
+        <p:style>
+          <a:lnRef idx="1">
+            <a:schemeClr val="accent1"/>
+          </a:lnRef>
+          <a:fillRef idx="3">
+            <a:schemeClr val="accent1"/>
+          </a:fillRef>
+          <a:effectRef idx="2">
+            <a:schemeClr val="accent1"/>
+          </a:effectRef>
+          <a:fontRef idx="minor">
+            <a:schemeClr val="lt1"/>
+          </a:fontRef>
+        </p:style>
+        <p:txBody>
+          <a:bodyPr rtlCol="0" anchor="ctr"/>
+          <a:lstStyle/>
+          <a:p>
+            <a:pPr algn="ctr"/>
+            <a:endParaRPr lang="en-US"/>
+          </a:p>
+        </p:txBody>
+      </p:sp>
+      <p:pic>
+        <p:nvPicPr>
+          <p:cNvPr id="3" name="Picture 2"/>
+          <p:cNvPicPr>
+            <a:picLocks noChangeAspect="1"/>
+          </p:cNvPicPr>
+          <p:nvPr/>
+        </p:nvPicPr>
+        <p:blipFill>
+          <a:blip r:embed="rId3">
+            <a:extLst>
+              <a:ext uri="{28A0092B-C50C-407E-A947-70E740481C1C}">
+                <a14:useLocalDpi xmlns:a14="http://schemas.microsoft.com/office/drawing/2010/main" val="0"/>
+              </a:ext>
+            </a:extLst>
+          </a:blip>
+          <a:stretch>
+            <a:fillRect/>
+          </a:stretch>
+        </p:blipFill>
+        <p:spPr>
+          <a:xfrm>
+            <a:off x="482353" y="1349381"/>
+            <a:ext cx="3657599" cy="2743200"/>
+          </a:xfrm>
+          <a:prstGeom prst="rect">
+            <a:avLst/>
+          </a:prstGeom>
+        </p:spPr>
+      </p:pic>
+      <p:pic>
+        <p:nvPicPr>
+          <p:cNvPr id="4" name="Picture 3"/>
+          <p:cNvPicPr>
+            <a:picLocks noChangeAspect="1"/>
+          </p:cNvPicPr>
+          <p:nvPr/>
+        </p:nvPicPr>
+        <p:blipFill>
+          <a:blip r:embed="rId4">
+            <a:extLst>
+              <a:ext uri="{28A0092B-C50C-407E-A947-70E740481C1C}">
+                <a14:useLocalDpi xmlns:a14="http://schemas.microsoft.com/office/drawing/2010/main" val="0"/>
+              </a:ext>
+            </a:extLst>
+          </a:blip>
+          <a:stretch>
+            <a:fillRect/>
+          </a:stretch>
+        </p:blipFill>
+        <p:spPr>
+          <a:xfrm>
+            <a:off x="482353" y="4114800"/>
+            <a:ext cx="3657599" cy="2743200"/>
+          </a:xfrm>
+          <a:prstGeom prst="rect">
+            <a:avLst/>
+          </a:prstGeom>
+        </p:spPr>
+      </p:pic>
+      <p:sp>
+        <p:nvSpPr>
+          <p:cNvPr id="16" name="TextBox 15"/>
+          <p:cNvSpPr txBox="1"/>
+          <p:nvPr/>
+        </p:nvSpPr>
+        <p:spPr>
+          <a:xfrm>
+            <a:off x="1570757" y="960997"/>
+            <a:ext cx="1480790" cy="369332"/>
+          </a:xfrm>
+          <a:prstGeom prst="rect">
+            <a:avLst/>
+          </a:prstGeom>
+          <a:noFill/>
+        </p:spPr>
+        <p:txBody>
+          <a:bodyPr wrap="none" rtlCol="0">
+            <a:spAutoFit/>
+          </a:bodyPr>
+          <a:lstStyle/>
+          <a:p>
+            <a:r>
+              <a:rPr lang="en-US" b="1" dirty="0"/>
+              <a:t>Low Accuracy</a:t>
+            </a:r>
+          </a:p>
+        </p:txBody>
+      </p:sp>
+      <p:sp>
+        <p:nvSpPr>
+          <p:cNvPr id="17" name="TextBox 16"/>
+          <p:cNvSpPr txBox="1"/>
+          <p:nvPr/>
+        </p:nvSpPr>
+        <p:spPr>
+          <a:xfrm>
+            <a:off x="6114795" y="958158"/>
+            <a:ext cx="1522917" cy="369332"/>
+          </a:xfrm>
+          <a:prstGeom prst="rect">
+            <a:avLst/>
+          </a:prstGeom>
+          <a:noFill/>
+        </p:spPr>
+        <p:txBody>
+          <a:bodyPr wrap="none" rtlCol="0">
+            <a:spAutoFit/>
+          </a:bodyPr>
+          <a:lstStyle/>
+          <a:p>
+            <a:r>
+              <a:rPr lang="en-US" b="1" dirty="0"/>
+              <a:t>High Accuracy</a:t>
+            </a:r>
+          </a:p>
+        </p:txBody>
+      </p:sp>
+      <p:pic>
+        <p:nvPicPr>
+          <p:cNvPr id="5" name="Picture 4"/>
+          <p:cNvPicPr>
+            <a:picLocks noChangeAspect="1"/>
+          </p:cNvPicPr>
+          <p:nvPr/>
+        </p:nvPicPr>
+        <p:blipFill>
+          <a:blip r:embed="rId5">
+            <a:extLst>
+              <a:ext uri="{28A0092B-C50C-407E-A947-70E740481C1C}">
+                <a14:useLocalDpi xmlns:a14="http://schemas.microsoft.com/office/drawing/2010/main" val="0"/>
+              </a:ext>
+            </a:extLst>
+          </a:blip>
+          <a:stretch>
+            <a:fillRect/>
+          </a:stretch>
+        </p:blipFill>
+        <p:spPr>
+          <a:xfrm>
+            <a:off x="5047456" y="1348111"/>
+            <a:ext cx="3657599" cy="2743200"/>
+          </a:xfrm>
+          <a:prstGeom prst="rect">
+            <a:avLst/>
+          </a:prstGeom>
+        </p:spPr>
+      </p:pic>
+      <p:pic>
+        <p:nvPicPr>
+          <p:cNvPr id="6" name="Picture 5"/>
+          <p:cNvPicPr>
+            <a:picLocks noChangeAspect="1"/>
+          </p:cNvPicPr>
+          <p:nvPr/>
+        </p:nvPicPr>
+        <p:blipFill>
+          <a:blip r:embed="rId6">
+            <a:extLst>
+              <a:ext uri="{28A0092B-C50C-407E-A947-70E740481C1C}">
+                <a14:useLocalDpi xmlns:a14="http://schemas.microsoft.com/office/drawing/2010/main" val="0"/>
+              </a:ext>
+            </a:extLst>
+          </a:blip>
+          <a:stretch>
+            <a:fillRect/>
+          </a:stretch>
+        </p:blipFill>
+        <p:spPr>
+          <a:xfrm>
+            <a:off x="5047455" y="4101183"/>
+            <a:ext cx="3657599" cy="2743200"/>
+          </a:xfrm>
+          <a:prstGeom prst="rect">
+            <a:avLst/>
+          </a:prstGeom>
+        </p:spPr>
+      </p:pic>
+    </p:spTree>
+    <p:extLst>
+      <p:ext uri="{BB962C8B-B14F-4D97-AF65-F5344CB8AC3E}">
+        <p14:creationId xmlns:p14="http://schemas.microsoft.com/office/powerpoint/2010/main" val="3112698110"/>
+      </p:ext>
+    </p:extLst>
+  </p:cSld>
+  <p:clrMapOvr>
+    <a:masterClrMapping/>
+  </p:clrMapOvr>
+</p:sld>
+</file>
+
+<file path=ppt/slides/slide11.xml><?xml version="1.0" encoding="utf-8"?>
+<p:sld xmlns:a="http://schemas.openxmlformats.org/drawingml/2006/main" xmlns:r="http://schemas.openxmlformats.org/officeDocument/2006/relationships" xmlns:p="http://schemas.openxmlformats.org/presentationml/2006/main">
+  <p:cSld>
+    <p:spTree>
+      <p:nvGrpSpPr>
+        <p:cNvPr id="1" name=""/>
+        <p:cNvGrpSpPr/>
+        <p:nvPr/>
+      </p:nvGrpSpPr>
+      <p:grpSpPr>
+        <a:xfrm>
+          <a:off x="0" y="0"/>
+          <a:ext cx="0" cy="0"/>
+          <a:chOff x="0" y="0"/>
+          <a:chExt cx="0" cy="0"/>
+        </a:xfrm>
+      </p:grpSpPr>
+      <p:pic>
+        <p:nvPicPr>
+          <p:cNvPr id="8" name="Picture 7" descr="TAMU_Aero_Logo.png"/>
+          <p:cNvPicPr>
+            <a:picLocks noChangeAspect="1"/>
+          </p:cNvPicPr>
+          <p:nvPr/>
+        </p:nvPicPr>
+        <p:blipFill>
+          <a:blip r:embed="rId3"/>
+          <a:stretch>
+            <a:fillRect/>
+          </a:stretch>
+        </p:blipFill>
+        <p:spPr>
+          <a:xfrm>
+            <a:off x="0" y="-7813"/>
+            <a:ext cx="9144000" cy="998413"/>
+          </a:xfrm>
+          <a:prstGeom prst="rect">
+            <a:avLst/>
+          </a:prstGeom>
+        </p:spPr>
+      </p:pic>
+      <p:sp>
+        <p:nvSpPr>
+          <p:cNvPr id="31" name="TextBox 30"/>
+          <p:cNvSpPr txBox="1"/>
+          <p:nvPr/>
+        </p:nvSpPr>
+        <p:spPr>
+          <a:xfrm>
+            <a:off x="6836568" y="39469"/>
+            <a:ext cx="2307432" cy="615553"/>
+          </a:xfrm>
+          <a:prstGeom prst="rect">
+            <a:avLst/>
+          </a:prstGeom>
+          <a:noFill/>
+        </p:spPr>
+        <p:txBody>
+          <a:bodyPr wrap="square" rtlCol="0">
+            <a:spAutoFit/>
+          </a:bodyPr>
+          <a:lstStyle/>
+          <a:p>
+            <a:r>
+              <a:rPr lang="en-US" sz="1200" dirty="0">
+                <a:solidFill>
+                  <a:schemeClr val="bg1"/>
+                </a:solidFill>
+                <a:latin typeface="Adobe Caslon Pro Bold"/>
+                <a:cs typeface="Adobe Caslon Pro Bold"/>
+              </a:rPr>
+              <a:t>JUNKINS    &amp;    WOOLLANDS</a:t>
+            </a:r>
+          </a:p>
+          <a:p>
+            <a:r>
+              <a:rPr lang="en-US" sz="1100" dirty="0">
+                <a:solidFill>
+                  <a:schemeClr val="bg1"/>
+                </a:solidFill>
+                <a:latin typeface="Adobe Caslon Pro Bold"/>
+                <a:cs typeface="Adobe Caslon Pro Bold"/>
+              </a:rPr>
+              <a:t>Picard-</a:t>
+            </a:r>
+            <a:r>
+              <a:rPr lang="en-US" sz="1100" dirty="0" err="1">
+                <a:solidFill>
+                  <a:schemeClr val="bg1"/>
+                </a:solidFill>
+                <a:latin typeface="Adobe Caslon Pro Bold"/>
+                <a:cs typeface="Adobe Caslon Pro Bold"/>
+              </a:rPr>
+              <a:t>Chebyshev</a:t>
+            </a:r>
+            <a:r>
+              <a:rPr lang="en-US" sz="1100" dirty="0">
+                <a:solidFill>
+                  <a:schemeClr val="bg1"/>
+                </a:solidFill>
+                <a:latin typeface="Adobe Caslon Pro Bold"/>
+                <a:cs typeface="Adobe Caslon Pro Bold"/>
+              </a:rPr>
+              <a:t> Lecture Series</a:t>
+            </a:r>
+          </a:p>
+          <a:p>
+            <a:r>
+              <a:rPr lang="en-US" sz="1100" dirty="0">
+                <a:solidFill>
+                  <a:schemeClr val="bg1"/>
+                </a:solidFill>
+                <a:latin typeface="Adobe Caslon Pro Bold"/>
+                <a:cs typeface="Adobe Caslon Pro Bold"/>
+              </a:rPr>
+              <a:t>#2 Numerical Quadrature</a:t>
+            </a:r>
+          </a:p>
+        </p:txBody>
+      </p:sp>
+      <p:sp>
+        <p:nvSpPr>
+          <p:cNvPr id="33" name="Rectangle 32"/>
+          <p:cNvSpPr/>
+          <p:nvPr/>
+        </p:nvSpPr>
+        <p:spPr>
+          <a:xfrm>
+            <a:off x="0" y="580618"/>
+            <a:ext cx="9144000" cy="400110"/>
+          </a:xfrm>
+          <a:prstGeom prst="rect">
+            <a:avLst/>
+          </a:prstGeom>
+        </p:spPr>
+        <p:txBody>
+          <a:bodyPr wrap="square">
+            <a:spAutoFit/>
+          </a:bodyPr>
+          <a:lstStyle/>
+          <a:p>
+            <a:pPr algn="ctr"/>
+            <a:r>
+              <a:rPr lang="en-US" sz="2000" b="1" dirty="0">
+                <a:solidFill>
+                  <a:srgbClr val="FFFFFF"/>
+                </a:solidFill>
+                <a:latin typeface="Adobe Caslon Pro Bold"/>
+              </a:rPr>
+              <a:t>QUADRATURE  COMPARISON 2:  EASIER FUNCTION</a:t>
+            </a:r>
+            <a:endParaRPr lang="en-US" sz="2000" b="1" dirty="0">
+              <a:solidFill>
+                <a:srgbClr val="FFFFFF"/>
+              </a:solidFill>
+            </a:endParaRPr>
+          </a:p>
+        </p:txBody>
+      </p:sp>
+      <p:sp>
+        <p:nvSpPr>
+          <p:cNvPr id="9" name="Slide Number Placeholder 16"/>
+          <p:cNvSpPr txBox="1">
+            <a:spLocks/>
+          </p:cNvSpPr>
+          <p:nvPr/>
+        </p:nvSpPr>
+        <p:spPr>
+          <a:xfrm>
+            <a:off x="6934200" y="6416675"/>
+            <a:ext cx="2133600" cy="365125"/>
+          </a:xfrm>
+          <a:prstGeom prst="rect">
+            <a:avLst/>
+          </a:prstGeom>
+        </p:spPr>
+        <p:txBody>
+          <a:bodyPr vert="horz" lIns="91440" tIns="45720" rIns="91440" bIns="45720" rtlCol="0" anchor="ctr"/>
+          <a:lstStyle/>
+          <a:p>
+            <a:pPr marL="0" marR="0" lvl="0" indent="0" algn="r" defTabSz="457200" rtl="0" eaLnBrk="1" fontAlgn="auto" latinLnBrk="0" hangingPunct="1">
+              <a:lnSpc>
+                <a:spcPct val="100000"/>
+              </a:lnSpc>
+              <a:spcBef>
+                <a:spcPts val="0"/>
+              </a:spcBef>
+              <a:spcAft>
+                <a:spcPts val="0"/>
+              </a:spcAft>
+              <a:buClrTx/>
+              <a:buSzTx/>
+              <a:buFontTx/>
+              <a:buNone/>
+              <a:tabLst/>
+              <a:defRPr/>
+            </a:pPr>
+            <a:fld id="{B6F15528-21DE-4FAA-801E-634DDDAF4B2B}" type="slidenum">
+              <a:rPr kumimoji="0" lang="en-US" sz="1600" i="0" u="none" strike="noStrike" kern="1200" cap="none" spc="0" normalizeH="0" baseline="0" noProof="0" smtClean="0">
+                <a:ln>
+                  <a:noFill/>
+                </a:ln>
+                <a:solidFill>
+                  <a:srgbClr val="660066"/>
+                </a:solidFill>
+                <a:effectLst/>
+                <a:uLnTx/>
+                <a:uFillTx/>
+                <a:latin typeface="+mn-lt"/>
+                <a:ea typeface="+mn-ea"/>
+                <a:cs typeface="+mn-cs"/>
+              </a:rPr>
+              <a:pPr marL="0" marR="0" lvl="0" indent="0" algn="r" defTabSz="457200" rtl="0" eaLnBrk="1" fontAlgn="auto" latinLnBrk="0" hangingPunct="1">
+                <a:lnSpc>
+                  <a:spcPct val="100000"/>
+                </a:lnSpc>
+                <a:spcBef>
+                  <a:spcPts val="0"/>
+                </a:spcBef>
+                <a:spcAft>
+                  <a:spcPts val="0"/>
+                </a:spcAft>
+                <a:buClrTx/>
+                <a:buSzTx/>
+                <a:buFontTx/>
+                <a:buNone/>
+                <a:tabLst/>
+                <a:defRPr/>
+              </a:pPr>
+              <a:t>11</a:t>
+            </a:fld>
+            <a:endParaRPr kumimoji="0" lang="en-US" sz="1600" i="0" u="none" strike="noStrike" kern="1200" cap="none" spc="0" normalizeH="0" baseline="0" noProof="0" dirty="0">
+              <a:ln>
+                <a:noFill/>
+              </a:ln>
+              <a:solidFill>
+                <a:srgbClr val="660066"/>
+              </a:solidFill>
+              <a:effectLst/>
+              <a:uLnTx/>
+              <a:uFillTx/>
+              <a:latin typeface="+mn-lt"/>
+              <a:ea typeface="+mn-ea"/>
+              <a:cs typeface="+mn-cs"/>
+            </a:endParaRPr>
+          </a:p>
+        </p:txBody>
+      </p:sp>
       <p:pic>
         <p:nvPicPr>
           <p:cNvPr id="7" name="Picture 6"/>
@@ -4080,7 +4657,7 @@
           <a:graphicData uri="http://schemas.openxmlformats.org/presentationml/2006/ole">
             <mc:AlternateContent xmlns:mc="http://schemas.openxmlformats.org/markup-compatibility/2006">
               <mc:Choice xmlns:v="urn:schemas-microsoft-com:vml" Requires="v">
-                <p:oleObj spid="_x0000_s23597" name="Equation" r:id="rId5" imgW="1269720" imgH="228600" progId="Equation.DSMT4">
+                <p:oleObj spid="_x0000_s23598" name="Equation" r:id="rId5" imgW="1269720" imgH="228600" progId="Equation.DSMT4">
                   <p:embed/>
                 </p:oleObj>
               </mc:Choice>
@@ -4131,7 +4708,7 @@
 </p:sld>
 </file>
 
-<file path=ppt/slides/slide11.xml><?xml version="1.0" encoding="utf-8"?>
+<file path=ppt/slides/slide12.xml><?xml version="1.0" encoding="utf-8"?>
 <p:sld xmlns:a="http://schemas.openxmlformats.org/drawingml/2006/main" xmlns:r="http://schemas.openxmlformats.org/officeDocument/2006/relationships" xmlns:p="http://schemas.openxmlformats.org/presentationml/2006/main">
   <p:cSld>
     <p:spTree>
@@ -4321,7 +4898,7 @@
                 <a:tabLst/>
                 <a:defRPr/>
               </a:pPr>
-              <a:t>11</a:t>
+              <a:t>12</a:t>
             </a:fld>
             <a:endParaRPr kumimoji="0" lang="en-US" sz="1600" i="0" u="none" strike="noStrike" kern="1200" cap="none" spc="0" normalizeH="0" baseline="0" noProof="0" dirty="0">
               <a:ln>
@@ -4768,7 +5345,7 @@
 </p:sld>
 </file>
 
-<file path=ppt/slides/slide12.xml><?xml version="1.0" encoding="utf-8"?>
+<file path=ppt/slides/slide13.xml><?xml version="1.0" encoding="utf-8"?>
 <p:sld xmlns:a="http://schemas.openxmlformats.org/drawingml/2006/main" xmlns:r="http://schemas.openxmlformats.org/officeDocument/2006/relationships" xmlns:p="http://schemas.openxmlformats.org/presentationml/2006/main">
   <p:cSld>
     <p:spTree>
@@ -4919,7 +5496,7 @@
                 <a:tabLst/>
                 <a:defRPr/>
               </a:pPr>
-              <a:t>12</a:t>
+              <a:t>13</a:t>
             </a:fld>
             <a:endParaRPr kumimoji="0" lang="en-US" sz="1600" i="0" u="none" strike="noStrike" kern="1200" cap="none" spc="0" normalizeH="0" baseline="0" noProof="0" dirty="0">
               <a:ln>
@@ -5967,92 +6544,13 @@
       </p:pic>
       <p:sp>
         <p:nvSpPr>
-          <p:cNvPr id="31" name="TextBox 30"/>
-          <p:cNvSpPr txBox="1"/>
-          <p:nvPr/>
-        </p:nvSpPr>
-        <p:spPr>
-          <a:xfrm>
-            <a:off x="6836568" y="39469"/>
-            <a:ext cx="2307432" cy="615553"/>
-          </a:xfrm>
-          <a:prstGeom prst="rect">
-            <a:avLst/>
-          </a:prstGeom>
-          <a:noFill/>
-        </p:spPr>
-        <p:txBody>
-          <a:bodyPr wrap="square" rtlCol="0">
-            <a:spAutoFit/>
-          </a:bodyPr>
-          <a:lstStyle/>
-          <a:p>
-            <a:r>
-              <a:rPr lang="en-US" sz="1200" dirty="0">
-                <a:solidFill>
-                  <a:schemeClr val="bg1"/>
-                </a:solidFill>
-                <a:latin typeface="Adobe Caslon Pro Bold"/>
-                <a:cs typeface="Adobe Caslon Pro Bold"/>
-              </a:rPr>
-              <a:t>JUNKINS    &amp;    WOOLLANDS</a:t>
-            </a:r>
-          </a:p>
-          <a:p>
-            <a:r>
-              <a:rPr lang="en-US" sz="1100" dirty="0">
-                <a:solidFill>
-                  <a:schemeClr val="bg1"/>
-                </a:solidFill>
-                <a:latin typeface="Adobe Caslon Pro Bold"/>
-                <a:cs typeface="Adobe Caslon Pro Bold"/>
-              </a:rPr>
-              <a:t>Picard-</a:t>
-            </a:r>
-            <a:r>
-              <a:rPr lang="en-US" sz="1100" dirty="0" err="1">
-                <a:solidFill>
-                  <a:schemeClr val="bg1"/>
-                </a:solidFill>
-                <a:latin typeface="Adobe Caslon Pro Bold"/>
-                <a:cs typeface="Adobe Caslon Pro Bold"/>
-              </a:rPr>
-              <a:t>Chebyshev</a:t>
-            </a:r>
-            <a:r>
-              <a:rPr lang="en-US" sz="1100" dirty="0">
-                <a:solidFill>
-                  <a:schemeClr val="bg1"/>
-                </a:solidFill>
-                <a:latin typeface="Adobe Caslon Pro Bold"/>
-                <a:cs typeface="Adobe Caslon Pro Bold"/>
-              </a:rPr>
-              <a:t> Lecture Series</a:t>
-            </a:r>
-          </a:p>
-          <a:p>
-            <a:r>
-              <a:rPr lang="en-US" sz="1100" dirty="0">
-                <a:solidFill>
-                  <a:schemeClr val="bg1"/>
-                </a:solidFill>
-                <a:latin typeface="Adobe Caslon Pro Bold"/>
-                <a:cs typeface="Adobe Caslon Pro Bold"/>
-              </a:rPr>
-              <a:t>#2 Numerical Quadrature</a:t>
-            </a:r>
-          </a:p>
-        </p:txBody>
-      </p:sp>
-      <p:sp>
-        <p:nvSpPr>
           <p:cNvPr id="33" name="Rectangle 32"/>
           <p:cNvSpPr/>
           <p:nvPr/>
         </p:nvSpPr>
         <p:spPr>
           <a:xfrm>
-            <a:off x="-108520" y="580618"/>
+            <a:off x="1" y="533400"/>
             <a:ext cx="9144000" cy="400110"/>
           </a:xfrm>
           <a:prstGeom prst="rect">
@@ -6074,7 +6572,7 @@
                 <a:latin typeface="Adobe Caslon Pro Bold"/>
                 <a:cs typeface="Adobe Caslon Pro Bold"/>
               </a:rPr>
-              <a:t>NEWTON-COTES  AND  GAUSSIAN  QUADRATURE</a:t>
+              <a:t>CONTENTS</a:t>
             </a:r>
             <a:endParaRPr lang="en-US" sz="2000" b="1" dirty="0">
               <a:solidFill>
@@ -6086,7 +6584,7 @@
       </p:sp>
       <p:sp>
         <p:nvSpPr>
-          <p:cNvPr id="9" name="Slide Number Placeholder 16"/>
+          <p:cNvPr id="23" name="Slide Number Placeholder 16"/>
           <p:cNvSpPr txBox="1">
             <a:spLocks/>
           </p:cNvSpPr>
@@ -6155,6 +6653,456 @@
                 <a:defRPr/>
               </a:pPr>
               <a:t>3</a:t>
+            </a:fld>
+            <a:endParaRPr kumimoji="0" lang="en-US" sz="1600" i="0" u="none" strike="noStrike" kern="1200" cap="none" spc="0" normalizeH="0" baseline="0" noProof="0" dirty="0">
+              <a:ln>
+                <a:noFill/>
+              </a:ln>
+              <a:solidFill>
+                <a:srgbClr val="660066"/>
+              </a:solidFill>
+              <a:effectLst/>
+              <a:uLnTx/>
+              <a:uFillTx/>
+              <a:latin typeface="+mn-lt"/>
+              <a:ea typeface="+mn-ea"/>
+              <a:cs typeface="+mn-cs"/>
+            </a:endParaRPr>
+          </a:p>
+        </p:txBody>
+      </p:sp>
+      <p:sp>
+        <p:nvSpPr>
+          <p:cNvPr id="11" name="TextBox 10"/>
+          <p:cNvSpPr txBox="1"/>
+          <p:nvPr/>
+        </p:nvSpPr>
+        <p:spPr>
+          <a:xfrm>
+            <a:off x="6836568" y="39469"/>
+            <a:ext cx="2307432" cy="615553"/>
+          </a:xfrm>
+          <a:prstGeom prst="rect">
+            <a:avLst/>
+          </a:prstGeom>
+          <a:noFill/>
+        </p:spPr>
+        <p:txBody>
+          <a:bodyPr wrap="square" rtlCol="0">
+            <a:spAutoFit/>
+          </a:bodyPr>
+          <a:lstStyle/>
+          <a:p>
+            <a:r>
+              <a:rPr lang="en-US" sz="1200" dirty="0">
+                <a:solidFill>
+                  <a:schemeClr val="bg1"/>
+                </a:solidFill>
+                <a:latin typeface="Adobe Caslon Pro Bold"/>
+                <a:cs typeface="Adobe Caslon Pro Bold"/>
+              </a:rPr>
+              <a:t>JUNKINS    &amp;    WOOLLANDS</a:t>
+            </a:r>
+          </a:p>
+          <a:p>
+            <a:r>
+              <a:rPr lang="en-US" sz="1100" dirty="0">
+                <a:solidFill>
+                  <a:schemeClr val="bg1"/>
+                </a:solidFill>
+                <a:latin typeface="Adobe Caslon Pro Bold"/>
+                <a:cs typeface="Adobe Caslon Pro Bold"/>
+              </a:rPr>
+              <a:t>Picard-</a:t>
+            </a:r>
+            <a:r>
+              <a:rPr lang="en-US" sz="1100" dirty="0" err="1">
+                <a:solidFill>
+                  <a:schemeClr val="bg1"/>
+                </a:solidFill>
+                <a:latin typeface="Adobe Caslon Pro Bold"/>
+                <a:cs typeface="Adobe Caslon Pro Bold"/>
+              </a:rPr>
+              <a:t>Chebyshev</a:t>
+            </a:r>
+            <a:r>
+              <a:rPr lang="en-US" sz="1100" dirty="0">
+                <a:solidFill>
+                  <a:schemeClr val="bg1"/>
+                </a:solidFill>
+                <a:latin typeface="Adobe Caslon Pro Bold"/>
+                <a:cs typeface="Adobe Caslon Pro Bold"/>
+              </a:rPr>
+              <a:t> Lecture Series</a:t>
+            </a:r>
+          </a:p>
+          <a:p>
+            <a:r>
+              <a:rPr lang="en-US" sz="1100" dirty="0">
+                <a:solidFill>
+                  <a:schemeClr val="bg1"/>
+                </a:solidFill>
+                <a:latin typeface="Adobe Caslon Pro Bold"/>
+                <a:cs typeface="Adobe Caslon Pro Bold"/>
+              </a:rPr>
+              <a:t>#1 Orthogonal Approximation</a:t>
+            </a:r>
+          </a:p>
+        </p:txBody>
+      </p:sp>
+      <p:sp>
+        <p:nvSpPr>
+          <p:cNvPr id="2" name="Rectangle 1">
+            <a:extLst>
+              <a:ext uri="{FF2B5EF4-FFF2-40B4-BE49-F238E27FC236}">
+                <a16:creationId xmlns:a16="http://schemas.microsoft.com/office/drawing/2014/main" id="{F2298928-55E9-B044-B1E5-3B98BFCF3D8F}"/>
+              </a:ext>
+            </a:extLst>
+          </p:cNvPr>
+          <p:cNvSpPr/>
+          <p:nvPr/>
+        </p:nvSpPr>
+        <p:spPr>
+          <a:xfrm>
+            <a:off x="323528" y="1822172"/>
+            <a:ext cx="8496944" cy="2000548"/>
+          </a:xfrm>
+          <a:prstGeom prst="rect">
+            <a:avLst/>
+          </a:prstGeom>
+        </p:spPr>
+        <p:txBody>
+          <a:bodyPr wrap="square">
+            <a:spAutoFit/>
+          </a:bodyPr>
+          <a:lstStyle/>
+          <a:p>
+            <a:pPr algn="ctr"/>
+            <a:r>
+              <a:rPr lang="en-US" sz="2200" b="1" dirty="0">
+                <a:solidFill>
+                  <a:srgbClr val="0000FF"/>
+                </a:solidFill>
+              </a:rPr>
+              <a:t>Newton-Cotes &amp; Gaussian Quadrature</a:t>
+            </a:r>
+          </a:p>
+          <a:p>
+            <a:pPr algn="ctr"/>
+            <a:endParaRPr lang="en-US" sz="1200" b="1" dirty="0">
+              <a:solidFill>
+                <a:srgbClr val="0000FF"/>
+              </a:solidFill>
+            </a:endParaRPr>
+          </a:p>
+          <a:p>
+            <a:pPr algn="ctr"/>
+            <a:r>
+              <a:rPr lang="en-US" sz="2200" b="1" dirty="0">
+                <a:solidFill>
+                  <a:srgbClr val="0000FF"/>
+                </a:solidFill>
+              </a:rPr>
+              <a:t>Path Approximation versus Numerical Quadrature</a:t>
+            </a:r>
+          </a:p>
+          <a:p>
+            <a:pPr algn="ctr"/>
+            <a:endParaRPr lang="en-US" sz="1200" b="1" dirty="0">
+              <a:solidFill>
+                <a:srgbClr val="0000FF"/>
+              </a:solidFill>
+            </a:endParaRPr>
+          </a:p>
+          <a:p>
+            <a:pPr algn="ctr"/>
+            <a:r>
+              <a:rPr lang="en-US" sz="2200" b="1" dirty="0">
+                <a:solidFill>
+                  <a:srgbClr val="0000FF"/>
+                </a:solidFill>
+              </a:rPr>
+              <a:t>Path Approximation via Chebyshev Polynomial </a:t>
+            </a:r>
+            <a:r>
+              <a:rPr lang="en-US" sz="2200" b="1" dirty="0" err="1">
+                <a:solidFill>
+                  <a:srgbClr val="0000FF"/>
+                </a:solidFill>
+              </a:rPr>
+              <a:t>Qudrature</a:t>
+            </a:r>
+            <a:endParaRPr lang="en-US" sz="2200" b="1" dirty="0">
+              <a:solidFill>
+                <a:srgbClr val="0000FF"/>
+              </a:solidFill>
+            </a:endParaRPr>
+          </a:p>
+          <a:p>
+            <a:pPr algn="ctr"/>
+            <a:endParaRPr lang="en-US" sz="1200" b="1" dirty="0">
+              <a:solidFill>
+                <a:srgbClr val="0000FF"/>
+              </a:solidFill>
+            </a:endParaRPr>
+          </a:p>
+          <a:p>
+            <a:pPr algn="ctr"/>
+            <a:r>
+              <a:rPr lang="en-US" sz="2200" b="1" dirty="0">
+                <a:solidFill>
+                  <a:srgbClr val="0000FF"/>
+                </a:solidFill>
+              </a:rPr>
+              <a:t>Example</a:t>
+            </a:r>
+          </a:p>
+        </p:txBody>
+      </p:sp>
+    </p:spTree>
+    <p:extLst>
+      <p:ext uri="{BB962C8B-B14F-4D97-AF65-F5344CB8AC3E}">
+        <p14:creationId xmlns:p14="http://schemas.microsoft.com/office/powerpoint/2010/main" val="716651853"/>
+      </p:ext>
+    </p:extLst>
+  </p:cSld>
+  <p:clrMapOvr>
+    <a:masterClrMapping/>
+  </p:clrMapOvr>
+</p:sld>
+</file>
+
+<file path=ppt/slides/slide4.xml><?xml version="1.0" encoding="utf-8"?>
+<p:sld xmlns:a="http://schemas.openxmlformats.org/drawingml/2006/main" xmlns:r="http://schemas.openxmlformats.org/officeDocument/2006/relationships" xmlns:p="http://schemas.openxmlformats.org/presentationml/2006/main">
+  <p:cSld>
+    <p:spTree>
+      <p:nvGrpSpPr>
+        <p:cNvPr id="1" name=""/>
+        <p:cNvGrpSpPr/>
+        <p:nvPr/>
+      </p:nvGrpSpPr>
+      <p:grpSpPr>
+        <a:xfrm>
+          <a:off x="0" y="0"/>
+          <a:ext cx="0" cy="0"/>
+          <a:chOff x="0" y="0"/>
+          <a:chExt cx="0" cy="0"/>
+        </a:xfrm>
+      </p:grpSpPr>
+      <p:pic>
+        <p:nvPicPr>
+          <p:cNvPr id="8" name="Picture 7" descr="TAMU_Aero_Logo.png"/>
+          <p:cNvPicPr>
+            <a:picLocks noChangeAspect="1"/>
+          </p:cNvPicPr>
+          <p:nvPr/>
+        </p:nvPicPr>
+        <p:blipFill>
+          <a:blip r:embed="rId3"/>
+          <a:stretch>
+            <a:fillRect/>
+          </a:stretch>
+        </p:blipFill>
+        <p:spPr>
+          <a:xfrm>
+            <a:off x="0" y="-7813"/>
+            <a:ext cx="9144000" cy="998413"/>
+          </a:xfrm>
+          <a:prstGeom prst="rect">
+            <a:avLst/>
+          </a:prstGeom>
+        </p:spPr>
+      </p:pic>
+      <p:sp>
+        <p:nvSpPr>
+          <p:cNvPr id="31" name="TextBox 30"/>
+          <p:cNvSpPr txBox="1"/>
+          <p:nvPr/>
+        </p:nvSpPr>
+        <p:spPr>
+          <a:xfrm>
+            <a:off x="6836568" y="39469"/>
+            <a:ext cx="2307432" cy="615553"/>
+          </a:xfrm>
+          <a:prstGeom prst="rect">
+            <a:avLst/>
+          </a:prstGeom>
+          <a:noFill/>
+        </p:spPr>
+        <p:txBody>
+          <a:bodyPr wrap="square" rtlCol="0">
+            <a:spAutoFit/>
+          </a:bodyPr>
+          <a:lstStyle/>
+          <a:p>
+            <a:r>
+              <a:rPr lang="en-US" sz="1200" dirty="0">
+                <a:solidFill>
+                  <a:schemeClr val="bg1"/>
+                </a:solidFill>
+                <a:latin typeface="Adobe Caslon Pro Bold"/>
+                <a:cs typeface="Adobe Caslon Pro Bold"/>
+              </a:rPr>
+              <a:t>JUNKINS    &amp;    WOOLLANDS</a:t>
+            </a:r>
+          </a:p>
+          <a:p>
+            <a:r>
+              <a:rPr lang="en-US" sz="1100" dirty="0">
+                <a:solidFill>
+                  <a:schemeClr val="bg1"/>
+                </a:solidFill>
+                <a:latin typeface="Adobe Caslon Pro Bold"/>
+                <a:cs typeface="Adobe Caslon Pro Bold"/>
+              </a:rPr>
+              <a:t>Picard-</a:t>
+            </a:r>
+            <a:r>
+              <a:rPr lang="en-US" sz="1100" dirty="0" err="1">
+                <a:solidFill>
+                  <a:schemeClr val="bg1"/>
+                </a:solidFill>
+                <a:latin typeface="Adobe Caslon Pro Bold"/>
+                <a:cs typeface="Adobe Caslon Pro Bold"/>
+              </a:rPr>
+              <a:t>Chebyshev</a:t>
+            </a:r>
+            <a:r>
+              <a:rPr lang="en-US" sz="1100" dirty="0">
+                <a:solidFill>
+                  <a:schemeClr val="bg1"/>
+                </a:solidFill>
+                <a:latin typeface="Adobe Caslon Pro Bold"/>
+                <a:cs typeface="Adobe Caslon Pro Bold"/>
+              </a:rPr>
+              <a:t> Lecture Series</a:t>
+            </a:r>
+          </a:p>
+          <a:p>
+            <a:r>
+              <a:rPr lang="en-US" sz="1100" dirty="0">
+                <a:solidFill>
+                  <a:schemeClr val="bg1"/>
+                </a:solidFill>
+                <a:latin typeface="Adobe Caslon Pro Bold"/>
+                <a:cs typeface="Adobe Caslon Pro Bold"/>
+              </a:rPr>
+              <a:t>#2 Numerical Quadrature</a:t>
+            </a:r>
+          </a:p>
+        </p:txBody>
+      </p:sp>
+      <p:sp>
+        <p:nvSpPr>
+          <p:cNvPr id="33" name="Rectangle 32"/>
+          <p:cNvSpPr/>
+          <p:nvPr/>
+        </p:nvSpPr>
+        <p:spPr>
+          <a:xfrm>
+            <a:off x="-108520" y="580618"/>
+            <a:ext cx="9144000" cy="400110"/>
+          </a:xfrm>
+          <a:prstGeom prst="rect">
+            <a:avLst/>
+          </a:prstGeom>
+        </p:spPr>
+        <p:txBody>
+          <a:bodyPr wrap="square">
+            <a:spAutoFit/>
+          </a:bodyPr>
+          <a:lstStyle/>
+          <a:p>
+            <a:pPr algn="ctr"/>
+            <a:r>
+              <a:rPr lang="en-US" sz="2000" b="1" dirty="0">
+                <a:solidFill>
+                  <a:srgbClr val="FFFFFF"/>
+                </a:solidFill>
+                <a:latin typeface="Adobe Caslon Pro Bold"/>
+                <a:cs typeface="Adobe Caslon Pro Bold"/>
+              </a:rPr>
+              <a:t>NEWTON-COTES  AND  GAUSSIAN  QUADRATURE</a:t>
+            </a:r>
+            <a:endParaRPr lang="en-US" sz="2000" b="1" dirty="0">
+              <a:solidFill>
+                <a:srgbClr val="FFFFFF"/>
+              </a:solidFill>
+            </a:endParaRPr>
+          </a:p>
+        </p:txBody>
+      </p:sp>
+      <p:sp>
+        <p:nvSpPr>
+          <p:cNvPr id="9" name="Slide Number Placeholder 16"/>
+          <p:cNvSpPr txBox="1">
+            <a:spLocks/>
+          </p:cNvSpPr>
+          <p:nvPr/>
+        </p:nvSpPr>
+        <p:spPr>
+          <a:xfrm>
+            <a:off x="6934200" y="6416675"/>
+            <a:ext cx="2133600" cy="365125"/>
+          </a:xfrm>
+          <a:prstGeom prst="rect">
+            <a:avLst/>
+          </a:prstGeom>
+        </p:spPr>
+        <p:txBody>
+          <a:bodyPr vert="horz" lIns="91440" tIns="45720" rIns="91440" bIns="45720" rtlCol="0" anchor="ctr"/>
+          <a:lstStyle/>
+          <a:p>
+            <a:pPr marL="0" marR="0" lvl="0" indent="0" algn="r" defTabSz="457200" rtl="0" eaLnBrk="1" fontAlgn="auto" latinLnBrk="0" hangingPunct="1">
+              <a:lnSpc>
+                <a:spcPct val="100000"/>
+              </a:lnSpc>
+              <a:spcBef>
+                <a:spcPts val="0"/>
+              </a:spcBef>
+              <a:spcAft>
+                <a:spcPts val="0"/>
+              </a:spcAft>
+              <a:buClrTx/>
+              <a:buSzTx/>
+              <a:buFontTx/>
+              <a:buNone/>
+              <a:tabLst/>
+              <a:defRPr/>
+            </a:pPr>
+            <a:fld id="{B6F15528-21DE-4FAA-801E-634DDDAF4B2B}" type="slidenum">
+              <a:rPr kumimoji="0" lang="en-US" sz="1600" i="0" u="none" strike="noStrike" kern="1200" cap="none" spc="0" normalizeH="0" baseline="0" noProof="0" smtClean="0">
+                <a:ln>
+                  <a:noFill/>
+                </a:ln>
+                <a:solidFill>
+                  <a:srgbClr val="660066"/>
+                </a:solidFill>
+                <a:effectLst/>
+                <a:uLnTx/>
+                <a:uFillTx/>
+                <a:latin typeface="+mn-lt"/>
+                <a:ea typeface="+mn-ea"/>
+                <a:cs typeface="+mn-cs"/>
+              </a:rPr>
+              <a:pPr marL="0" marR="0" lvl="0" indent="0" algn="r" defTabSz="457200" rtl="0" eaLnBrk="1" fontAlgn="auto" latinLnBrk="0" hangingPunct="1">
+                <a:lnSpc>
+                  <a:spcPct val="100000"/>
+                </a:lnSpc>
+                <a:spcBef>
+                  <a:spcPts val="0"/>
+                </a:spcBef>
+                <a:spcAft>
+                  <a:spcPts val="0"/>
+                </a:spcAft>
+                <a:buClrTx/>
+                <a:buSzTx/>
+                <a:buFontTx/>
+                <a:buNone/>
+                <a:tabLst/>
+                <a:defRPr/>
+              </a:pPr>
+              <a:t>4</a:t>
             </a:fld>
             <a:endParaRPr kumimoji="0" lang="en-US" sz="1600" i="0" u="none" strike="noStrike" kern="1200" cap="none" spc="0" normalizeH="0" baseline="0" noProof="0" dirty="0">
               <a:ln>
@@ -6811,7 +7759,7 @@
           <a:graphicData uri="http://schemas.openxmlformats.org/presentationml/2006/ole">
             <mc:AlternateContent xmlns:mc="http://schemas.openxmlformats.org/markup-compatibility/2006">
               <mc:Choice xmlns:v="urn:schemas-microsoft-com:vml" Requires="v">
-                <p:oleObj spid="_x0000_s17475" name="Equation" r:id="rId5" imgW="3962160" imgH="330120" progId="Equation.DSMT4">
+                <p:oleObj spid="_x0000_s17476" name="Equation" r:id="rId5" imgW="3962160" imgH="330120" progId="Equation.DSMT4">
                   <p:embed/>
                 </p:oleObj>
               </mc:Choice>
@@ -6859,7 +7807,7 @@
 </p:sld>
 </file>
 
-<file path=ppt/slides/slide4.xml><?xml version="1.0" encoding="utf-8"?>
+<file path=ppt/slides/slide5.xml><?xml version="1.0" encoding="utf-8"?>
 <p:sld xmlns:a="http://schemas.openxmlformats.org/drawingml/2006/main" xmlns:r="http://schemas.openxmlformats.org/officeDocument/2006/relationships" xmlns:p="http://schemas.openxmlformats.org/presentationml/2006/main">
   <p:cSld>
     <p:spTree>
@@ -7643,7 +8591,7 @@
                 <a:tabLst/>
                 <a:defRPr/>
               </a:pPr>
-              <a:t>4</a:t>
+              <a:t>5</a:t>
             </a:fld>
             <a:endParaRPr kumimoji="0" lang="en-US" sz="1600" i="0" u="none" strike="noStrike" kern="1200" cap="none" spc="0" normalizeH="0" baseline="0" noProof="0" dirty="0">
               <a:ln>
@@ -7684,7 +8632,7 @@
           <a:graphicData uri="http://schemas.openxmlformats.org/presentationml/2006/ole">
             <mc:AlternateContent xmlns:mc="http://schemas.openxmlformats.org/markup-compatibility/2006">
               <mc:Choice xmlns:v="urn:schemas-microsoft-com:vml" Requires="v">
-                <p:oleObj spid="_x0000_s18735" name="Equation" r:id="rId6" imgW="3657600" imgH="228600" progId="Equation.DSMT4">
+                <p:oleObj spid="_x0000_s18740" name="Equation" r:id="rId6" imgW="3657600" imgH="228600" progId="Equation.DSMT4">
                   <p:embed/>
                 </p:oleObj>
               </mc:Choice>
@@ -7741,7 +8689,7 @@
           <a:graphicData uri="http://schemas.openxmlformats.org/presentationml/2006/ole">
             <mc:AlternateContent xmlns:mc="http://schemas.openxmlformats.org/markup-compatibility/2006">
               <mc:Choice xmlns:v="urn:schemas-microsoft-com:vml" Requires="v">
-                <p:oleObj spid="_x0000_s18736" name="Equation" r:id="rId8" imgW="4012920" imgH="330120" progId="Equation.DSMT4">
+                <p:oleObj spid="_x0000_s18741" name="Equation" r:id="rId8" imgW="4012920" imgH="330120" progId="Equation.DSMT4">
                   <p:embed/>
                 </p:oleObj>
               </mc:Choice>
@@ -7798,7 +8746,7 @@
           <a:graphicData uri="http://schemas.openxmlformats.org/presentationml/2006/ole">
             <mc:AlternateContent xmlns:mc="http://schemas.openxmlformats.org/markup-compatibility/2006">
               <mc:Choice xmlns:v="urn:schemas-microsoft-com:vml" Requires="v">
-                <p:oleObj spid="_x0000_s18737" name="Equation" r:id="rId10" imgW="3530520" imgH="1422360" progId="Equation.DSMT4">
+                <p:oleObj spid="_x0000_s18742" name="Equation" r:id="rId10" imgW="3530520" imgH="1422360" progId="Equation.DSMT4">
                   <p:embed/>
                 </p:oleObj>
               </mc:Choice>
@@ -7855,7 +8803,7 @@
           <a:graphicData uri="http://schemas.openxmlformats.org/presentationml/2006/ole">
             <mc:AlternateContent xmlns:mc="http://schemas.openxmlformats.org/markup-compatibility/2006">
               <mc:Choice xmlns:v="urn:schemas-microsoft-com:vml" Requires="v">
-                <p:oleObj spid="_x0000_s18738" name="Equation" r:id="rId12" imgW="2057400" imgH="393480" progId="Equation.DSMT4">
+                <p:oleObj spid="_x0000_s18743" name="Equation" r:id="rId12" imgW="2057400" imgH="393480" progId="Equation.DSMT4">
                   <p:embed/>
                 </p:oleObj>
               </mc:Choice>
@@ -7912,7 +8860,7 @@
           <a:graphicData uri="http://schemas.openxmlformats.org/presentationml/2006/ole">
             <mc:AlternateContent xmlns:mc="http://schemas.openxmlformats.org/markup-compatibility/2006">
               <mc:Choice xmlns:v="urn:schemas-microsoft-com:vml" Requires="v">
-                <p:oleObj spid="_x0000_s18739" name="Equation" r:id="rId14" imgW="2831760" imgH="444240" progId="Equation.DSMT4">
+                <p:oleObj spid="_x0000_s18744" name="Equation" r:id="rId14" imgW="2831760" imgH="444240" progId="Equation.DSMT4">
                   <p:embed/>
                 </p:oleObj>
               </mc:Choice>
@@ -7960,7 +8908,7 @@
 </p:sld>
 </file>
 
-<file path=ppt/slides/slide5.xml><?xml version="1.0" encoding="utf-8"?>
+<file path=ppt/slides/slide6.xml><?xml version="1.0" encoding="utf-8"?>
 <p:sld xmlns:a="http://schemas.openxmlformats.org/drawingml/2006/main" xmlns:r="http://schemas.openxmlformats.org/officeDocument/2006/relationships" xmlns:p="http://schemas.openxmlformats.org/presentationml/2006/main">
   <p:cSld>
     <p:spTree>
@@ -8190,7 +9138,7 @@
                 <a:tabLst/>
                 <a:defRPr/>
               </a:pPr>
-              <a:t>5</a:t>
+              <a:t>6</a:t>
             </a:fld>
             <a:endParaRPr kumimoji="0" lang="en-US" sz="1600" i="0" u="none" strike="noStrike" kern="1200" cap="none" spc="0" normalizeH="0" baseline="0" noProof="0" dirty="0">
               <a:ln>
@@ -8504,7 +9452,7 @@
           <a:graphicData uri="http://schemas.openxmlformats.org/presentationml/2006/ole">
             <mc:AlternateContent xmlns:mc="http://schemas.openxmlformats.org/markup-compatibility/2006">
               <mc:Choice xmlns:v="urn:schemas-microsoft-com:vml" Requires="v">
-                <p:oleObj spid="_x0000_s19570" name="Equation" r:id="rId4" imgW="1625400" imgH="393480" progId="Equation.DSMT4">
+                <p:oleObj spid="_x0000_s19572" name="Equation" r:id="rId4" imgW="1625400" imgH="393480" progId="Equation.DSMT4">
                   <p:embed/>
                 </p:oleObj>
               </mc:Choice>
@@ -8561,7 +9509,7 @@
           <a:graphicData uri="http://schemas.openxmlformats.org/presentationml/2006/ole">
             <mc:AlternateContent xmlns:mc="http://schemas.openxmlformats.org/markup-compatibility/2006">
               <mc:Choice xmlns:v="urn:schemas-microsoft-com:vml" Requires="v">
-                <p:oleObj spid="_x0000_s19571" name="Equation" r:id="rId6" imgW="1218960" imgH="330120" progId="Equation.DSMT4">
+                <p:oleObj spid="_x0000_s19573" name="Equation" r:id="rId6" imgW="1218960" imgH="330120" progId="Equation.DSMT4">
                   <p:embed/>
                 </p:oleObj>
               </mc:Choice>
@@ -8609,7 +9557,7 @@
 </p:sld>
 </file>
 
-<file path=ppt/slides/slide6.xml><?xml version="1.0" encoding="utf-8"?>
+<file path=ppt/slides/slide7.xml><?xml version="1.0" encoding="utf-8"?>
 <p:sld xmlns:a="http://schemas.openxmlformats.org/drawingml/2006/main" xmlns:r="http://schemas.openxmlformats.org/officeDocument/2006/relationships" xmlns:p="http://schemas.openxmlformats.org/presentationml/2006/main">
   <p:cSld>
     <p:spTree>
@@ -9173,7 +10121,7 @@
           <a:graphicData uri="http://schemas.openxmlformats.org/presentationml/2006/ole">
             <mc:AlternateContent xmlns:mc="http://schemas.openxmlformats.org/markup-compatibility/2006">
               <mc:Choice xmlns:v="urn:schemas-microsoft-com:vml" Requires="v">
-                <p:oleObj spid="_x0000_s28710" name="Equation" r:id="rId5" imgW="3848040" imgH="330120" progId="Equation.DSMT4">
+                <p:oleObj spid="_x0000_s28713" name="Equation" r:id="rId5" imgW="3848040" imgH="330120" progId="Equation.DSMT4">
                   <p:embed/>
                 </p:oleObj>
               </mc:Choice>
@@ -9230,7 +10178,7 @@
           <a:graphicData uri="http://schemas.openxmlformats.org/presentationml/2006/ole">
             <mc:AlternateContent xmlns:mc="http://schemas.openxmlformats.org/markup-compatibility/2006">
               <mc:Choice xmlns:v="urn:schemas-microsoft-com:vml" Requires="v">
-                <p:oleObj spid="_x0000_s28711" name="Equation" r:id="rId7" imgW="4279680" imgH="431640" progId="Equation.DSMT4">
+                <p:oleObj spid="_x0000_s28714" name="Equation" r:id="rId7" imgW="4279680" imgH="431640" progId="Equation.DSMT4">
                   <p:embed/>
                 </p:oleObj>
               </mc:Choice>
@@ -9287,7 +10235,7 @@
           <a:graphicData uri="http://schemas.openxmlformats.org/presentationml/2006/ole">
             <mc:AlternateContent xmlns:mc="http://schemas.openxmlformats.org/markup-compatibility/2006">
               <mc:Choice xmlns:v="urn:schemas-microsoft-com:vml" Requires="v">
-                <p:oleObj spid="_x0000_s28712" name="Equation" r:id="rId9" imgW="6591240" imgH="939600" progId="Equation.DSMT4">
+                <p:oleObj spid="_x0000_s28715" name="Equation" r:id="rId9" imgW="6591240" imgH="939600" progId="Equation.DSMT4">
                   <p:embed/>
                 </p:oleObj>
               </mc:Choice>
@@ -9335,7 +10283,7 @@
 </p:sld>
 </file>
 
-<file path=ppt/slides/slide7.xml><?xml version="1.0" encoding="utf-8"?>
+<file path=ppt/slides/slide8.xml><?xml version="1.0" encoding="utf-8"?>
 <p:sld xmlns:a="http://schemas.openxmlformats.org/drawingml/2006/main" xmlns:r="http://schemas.openxmlformats.org/officeDocument/2006/relationships" xmlns:p="http://schemas.openxmlformats.org/presentationml/2006/main">
   <p:cSld>
     <p:spTree>
@@ -9849,7 +10797,7 @@
           <a:graphicData uri="http://schemas.openxmlformats.org/presentationml/2006/ole">
             <mc:AlternateContent xmlns:mc="http://schemas.openxmlformats.org/markup-compatibility/2006">
               <mc:Choice xmlns:v="urn:schemas-microsoft-com:vml" Requires="v">
-                <p:oleObj spid="_x0000_s27720" name="Equation" r:id="rId5" imgW="1206360" imgH="228600" progId="Equation.DSMT4">
+                <p:oleObj spid="_x0000_s27725" name="Equation" r:id="rId5" imgW="1206360" imgH="228600" progId="Equation.DSMT4">
                   <p:embed/>
                 </p:oleObj>
               </mc:Choice>
@@ -9906,7 +10854,7 @@
           <a:graphicData uri="http://schemas.openxmlformats.org/presentationml/2006/ole">
             <mc:AlternateContent xmlns:mc="http://schemas.openxmlformats.org/markup-compatibility/2006">
               <mc:Choice xmlns:v="urn:schemas-microsoft-com:vml" Requires="v">
-                <p:oleObj spid="_x0000_s27721" name="Equation" r:id="rId7" imgW="2197080" imgH="1752480" progId="Equation.DSMT4">
+                <p:oleObj spid="_x0000_s27726" name="Equation" r:id="rId7" imgW="2197080" imgH="1752480" progId="Equation.DSMT4">
                   <p:embed/>
                 </p:oleObj>
               </mc:Choice>
@@ -9996,7 +10944,7 @@
           <a:graphicData uri="http://schemas.openxmlformats.org/presentationml/2006/ole">
             <mc:AlternateContent xmlns:mc="http://schemas.openxmlformats.org/markup-compatibility/2006">
               <mc:Choice xmlns:v="urn:schemas-microsoft-com:vml" Requires="v">
-                <p:oleObj spid="_x0000_s27722" name="Equation" r:id="rId9" imgW="1180800" imgH="253800" progId="Equation.DSMT4">
+                <p:oleObj spid="_x0000_s27727" name="Equation" r:id="rId9" imgW="1180800" imgH="253800" progId="Equation.DSMT4">
                   <p:embed/>
                 </p:oleObj>
               </mc:Choice>
@@ -10223,7 +11171,7 @@
           <a:graphicData uri="http://schemas.openxmlformats.org/presentationml/2006/ole">
             <mc:AlternateContent xmlns:mc="http://schemas.openxmlformats.org/markup-compatibility/2006">
               <mc:Choice xmlns:v="urn:schemas-microsoft-com:vml" Requires="v">
-                <p:oleObj spid="_x0000_s27723" name="Equation" r:id="rId11" imgW="3822480" imgH="330120" progId="Equation.DSMT4">
+                <p:oleObj spid="_x0000_s27728" name="Equation" r:id="rId11" imgW="3822480" imgH="330120" progId="Equation.DSMT4">
                   <p:embed/>
                 </p:oleObj>
               </mc:Choice>
@@ -10280,7 +11228,7 @@
           <a:graphicData uri="http://schemas.openxmlformats.org/presentationml/2006/ole">
             <mc:AlternateContent xmlns:mc="http://schemas.openxmlformats.org/markup-compatibility/2006">
               <mc:Choice xmlns:v="urn:schemas-microsoft-com:vml" Requires="v">
-                <p:oleObj spid="_x0000_s27724" name="Equation" r:id="rId13" imgW="3987720" imgH="2286000" progId="Equation.DSMT4">
+                <p:oleObj spid="_x0000_s27729" name="Equation" r:id="rId13" imgW="3987720" imgH="2286000" progId="Equation.DSMT4">
                   <p:embed/>
                 </p:oleObj>
               </mc:Choice>
@@ -10328,7 +11276,7 @@
 </p:sld>
 </file>
 
-<file path=ppt/slides/slide8.xml><?xml version="1.0" encoding="utf-8"?>
+<file path=ppt/slides/slide9.xml><?xml version="1.0" encoding="utf-8"?>
 <p:sld xmlns:a="http://schemas.openxmlformats.org/drawingml/2006/main" xmlns:r="http://schemas.openxmlformats.org/officeDocument/2006/relationships" xmlns:p="http://schemas.openxmlformats.org/presentationml/2006/main">
   <p:cSld>
     <p:spTree>
@@ -10557,7 +11505,7 @@
                 <a:tabLst/>
                 <a:defRPr/>
               </a:pPr>
-              <a:t>8</a:t>
+              <a:t>9</a:t>
             </a:fld>
             <a:endParaRPr kumimoji="0" lang="en-US" sz="1600" i="0" u="none" strike="noStrike" kern="1200" cap="none" spc="0" normalizeH="0" baseline="0" noProof="0" dirty="0">
               <a:ln>
@@ -10645,7 +11593,7 @@
           <a:graphicData uri="http://schemas.openxmlformats.org/presentationml/2006/ole">
             <mc:AlternateContent xmlns:mc="http://schemas.openxmlformats.org/markup-compatibility/2006">
               <mc:Choice xmlns:v="urn:schemas-microsoft-com:vml" Requires="v">
-                <p:oleObj spid="_x0000_s26643" name="Equation" r:id="rId4" imgW="2197080" imgH="419040" progId="Equation.DSMT4">
+                <p:oleObj spid="_x0000_s26644" name="Equation" r:id="rId4" imgW="2197080" imgH="419040" progId="Equation.DSMT4">
                   <p:embed/>
                 </p:oleObj>
               </mc:Choice>
@@ -10716,492 +11664,6 @@
     <p:extLst>
       <p:ext uri="{BB962C8B-B14F-4D97-AF65-F5344CB8AC3E}">
         <p14:creationId xmlns:p14="http://schemas.microsoft.com/office/powerpoint/2010/main" val="3895105803"/>
-      </p:ext>
-    </p:extLst>
-  </p:cSld>
-  <p:clrMapOvr>
-    <a:masterClrMapping/>
-  </p:clrMapOvr>
-</p:sld>
-</file>
-
-<file path=ppt/slides/slide9.xml><?xml version="1.0" encoding="utf-8"?>
-<p:sld xmlns:a="http://schemas.openxmlformats.org/drawingml/2006/main" xmlns:r="http://schemas.openxmlformats.org/officeDocument/2006/relationships" xmlns:p="http://schemas.openxmlformats.org/presentationml/2006/main">
-  <p:cSld>
-    <p:spTree>
-      <p:nvGrpSpPr>
-        <p:cNvPr id="1" name=""/>
-        <p:cNvGrpSpPr/>
-        <p:nvPr/>
-      </p:nvGrpSpPr>
-      <p:grpSpPr>
-        <a:xfrm>
-          <a:off x="0" y="0"/>
-          <a:ext cx="0" cy="0"/>
-          <a:chOff x="0" y="0"/>
-          <a:chExt cx="0" cy="0"/>
-        </a:xfrm>
-      </p:grpSpPr>
-      <p:pic>
-        <p:nvPicPr>
-          <p:cNvPr id="8" name="Picture 7" descr="TAMU_Aero_Logo.png"/>
-          <p:cNvPicPr>
-            <a:picLocks noChangeAspect="1"/>
-          </p:cNvPicPr>
-          <p:nvPr/>
-        </p:nvPicPr>
-        <p:blipFill>
-          <a:blip r:embed="rId2"/>
-          <a:stretch>
-            <a:fillRect/>
-          </a:stretch>
-        </p:blipFill>
-        <p:spPr>
-          <a:xfrm>
-            <a:off x="0" y="-7813"/>
-            <a:ext cx="9144000" cy="998413"/>
-          </a:xfrm>
-          <a:prstGeom prst="rect">
-            <a:avLst/>
-          </a:prstGeom>
-        </p:spPr>
-      </p:pic>
-      <p:sp>
-        <p:nvSpPr>
-          <p:cNvPr id="31" name="TextBox 30"/>
-          <p:cNvSpPr txBox="1"/>
-          <p:nvPr/>
-        </p:nvSpPr>
-        <p:spPr>
-          <a:xfrm>
-            <a:off x="6836568" y="39469"/>
-            <a:ext cx="2307432" cy="615553"/>
-          </a:xfrm>
-          <a:prstGeom prst="rect">
-            <a:avLst/>
-          </a:prstGeom>
-          <a:noFill/>
-        </p:spPr>
-        <p:txBody>
-          <a:bodyPr wrap="square" rtlCol="0">
-            <a:spAutoFit/>
-          </a:bodyPr>
-          <a:lstStyle/>
-          <a:p>
-            <a:r>
-              <a:rPr lang="en-US" sz="1200" dirty="0">
-                <a:solidFill>
-                  <a:schemeClr val="bg1"/>
-                </a:solidFill>
-                <a:latin typeface="Adobe Caslon Pro Bold"/>
-                <a:cs typeface="Adobe Caslon Pro Bold"/>
-              </a:rPr>
-              <a:t>JUNKINS    &amp;    WOOLLANDS</a:t>
-            </a:r>
-          </a:p>
-          <a:p>
-            <a:r>
-              <a:rPr lang="en-US" sz="1100" dirty="0">
-                <a:solidFill>
-                  <a:schemeClr val="bg1"/>
-                </a:solidFill>
-                <a:latin typeface="Adobe Caslon Pro Bold"/>
-                <a:cs typeface="Adobe Caslon Pro Bold"/>
-              </a:rPr>
-              <a:t>Picard-</a:t>
-            </a:r>
-            <a:r>
-              <a:rPr lang="en-US" sz="1100" dirty="0" err="1">
-                <a:solidFill>
-                  <a:schemeClr val="bg1"/>
-                </a:solidFill>
-                <a:latin typeface="Adobe Caslon Pro Bold"/>
-                <a:cs typeface="Adobe Caslon Pro Bold"/>
-              </a:rPr>
-              <a:t>Chebyshev</a:t>
-            </a:r>
-            <a:r>
-              <a:rPr lang="en-US" sz="1100" dirty="0">
-                <a:solidFill>
-                  <a:schemeClr val="bg1"/>
-                </a:solidFill>
-                <a:latin typeface="Adobe Caslon Pro Bold"/>
-                <a:cs typeface="Adobe Caslon Pro Bold"/>
-              </a:rPr>
-              <a:t> Lecture Series</a:t>
-            </a:r>
-          </a:p>
-          <a:p>
-            <a:r>
-              <a:rPr lang="en-US" sz="1100" dirty="0">
-                <a:solidFill>
-                  <a:schemeClr val="bg1"/>
-                </a:solidFill>
-                <a:latin typeface="Adobe Caslon Pro Bold"/>
-                <a:cs typeface="Adobe Caslon Pro Bold"/>
-              </a:rPr>
-              <a:t>#2 Numerical Quadrature</a:t>
-            </a:r>
-          </a:p>
-        </p:txBody>
-      </p:sp>
-      <p:sp>
-        <p:nvSpPr>
-          <p:cNvPr id="33" name="Rectangle 32"/>
-          <p:cNvSpPr/>
-          <p:nvPr/>
-        </p:nvSpPr>
-        <p:spPr>
-          <a:xfrm>
-            <a:off x="0" y="580618"/>
-            <a:ext cx="9144000" cy="400110"/>
-          </a:xfrm>
-          <a:prstGeom prst="rect">
-            <a:avLst/>
-          </a:prstGeom>
-        </p:spPr>
-        <p:txBody>
-          <a:bodyPr wrap="square">
-            <a:spAutoFit/>
-          </a:bodyPr>
-          <a:lstStyle/>
-          <a:p>
-            <a:pPr algn="ctr"/>
-            <a:r>
-              <a:rPr lang="en-US" sz="2000" b="1" dirty="0">
-                <a:solidFill>
-                  <a:srgbClr val="FFFFFF"/>
-                </a:solidFill>
-                <a:latin typeface="Adobe Caslon Pro Bold"/>
-              </a:rPr>
-              <a:t>QUADRATURE COMPARISON 1 – LOW AND HIGH ACCURACY</a:t>
-            </a:r>
-            <a:endParaRPr lang="en-US" sz="2000" b="1" dirty="0">
-              <a:solidFill>
-                <a:srgbClr val="FFFFFF"/>
-              </a:solidFill>
-            </a:endParaRPr>
-          </a:p>
-        </p:txBody>
-      </p:sp>
-      <p:sp>
-        <p:nvSpPr>
-          <p:cNvPr id="9" name="Slide Number Placeholder 16"/>
-          <p:cNvSpPr txBox="1">
-            <a:spLocks/>
-          </p:cNvSpPr>
-          <p:nvPr/>
-        </p:nvSpPr>
-        <p:spPr>
-          <a:xfrm>
-            <a:off x="6934200" y="6416675"/>
-            <a:ext cx="2133600" cy="365125"/>
-          </a:xfrm>
-          <a:prstGeom prst="rect">
-            <a:avLst/>
-          </a:prstGeom>
-        </p:spPr>
-        <p:txBody>
-          <a:bodyPr vert="horz" lIns="91440" tIns="45720" rIns="91440" bIns="45720" rtlCol="0" anchor="ctr"/>
-          <a:lstStyle/>
-          <a:p>
-            <a:pPr marL="0" marR="0" lvl="0" indent="0" algn="r" defTabSz="457200" rtl="0" eaLnBrk="1" fontAlgn="auto" latinLnBrk="0" hangingPunct="1">
-              <a:lnSpc>
-                <a:spcPct val="100000"/>
-              </a:lnSpc>
-              <a:spcBef>
-                <a:spcPts val="0"/>
-              </a:spcBef>
-              <a:spcAft>
-                <a:spcPts val="0"/>
-              </a:spcAft>
-              <a:buClrTx/>
-              <a:buSzTx/>
-              <a:buFontTx/>
-              <a:buNone/>
-              <a:tabLst/>
-              <a:defRPr/>
-            </a:pPr>
-            <a:fld id="{B6F15528-21DE-4FAA-801E-634DDDAF4B2B}" type="slidenum">
-              <a:rPr kumimoji="0" lang="en-US" sz="1600" i="0" u="none" strike="noStrike" kern="1200" cap="none" spc="0" normalizeH="0" baseline="0" noProof="0" smtClean="0">
-                <a:ln>
-                  <a:noFill/>
-                </a:ln>
-                <a:solidFill>
-                  <a:srgbClr val="660066"/>
-                </a:solidFill>
-                <a:effectLst/>
-                <a:uLnTx/>
-                <a:uFillTx/>
-                <a:latin typeface="+mn-lt"/>
-                <a:ea typeface="+mn-ea"/>
-                <a:cs typeface="+mn-cs"/>
-              </a:rPr>
-              <a:pPr marL="0" marR="0" lvl="0" indent="0" algn="r" defTabSz="457200" rtl="0" eaLnBrk="1" fontAlgn="auto" latinLnBrk="0" hangingPunct="1">
-                <a:lnSpc>
-                  <a:spcPct val="100000"/>
-                </a:lnSpc>
-                <a:spcBef>
-                  <a:spcPts val="0"/>
-                </a:spcBef>
-                <a:spcAft>
-                  <a:spcPts val="0"/>
-                </a:spcAft>
-                <a:buClrTx/>
-                <a:buSzTx/>
-                <a:buFontTx/>
-                <a:buNone/>
-                <a:tabLst/>
-                <a:defRPr/>
-              </a:pPr>
-              <a:t>9</a:t>
-            </a:fld>
-            <a:endParaRPr kumimoji="0" lang="en-US" sz="1600" i="0" u="none" strike="noStrike" kern="1200" cap="none" spc="0" normalizeH="0" baseline="0" noProof="0" dirty="0">
-              <a:ln>
-                <a:noFill/>
-              </a:ln>
-              <a:solidFill>
-                <a:srgbClr val="660066"/>
-              </a:solidFill>
-              <a:effectLst/>
-              <a:uLnTx/>
-              <a:uFillTx/>
-              <a:latin typeface="+mn-lt"/>
-              <a:ea typeface="+mn-ea"/>
-              <a:cs typeface="+mn-cs"/>
-            </a:endParaRPr>
-          </a:p>
-        </p:txBody>
-      </p:sp>
-      <p:sp>
-        <p:nvSpPr>
-          <p:cNvPr id="10" name="Rectangle 9"/>
-          <p:cNvSpPr/>
-          <p:nvPr/>
-        </p:nvSpPr>
-        <p:spPr>
-          <a:xfrm>
-            <a:off x="2627784" y="1811118"/>
-            <a:ext cx="3816424" cy="288032"/>
-          </a:xfrm>
-          <a:prstGeom prst="rect">
-            <a:avLst/>
-          </a:prstGeom>
-          <a:solidFill>
-            <a:schemeClr val="bg1"/>
-          </a:solidFill>
-          <a:ln>
-            <a:solidFill>
-              <a:schemeClr val="bg1"/>
-            </a:solidFill>
-          </a:ln>
-          <a:effectLst/>
-        </p:spPr>
-        <p:style>
-          <a:lnRef idx="1">
-            <a:schemeClr val="accent1"/>
-          </a:lnRef>
-          <a:fillRef idx="3">
-            <a:schemeClr val="accent1"/>
-          </a:fillRef>
-          <a:effectRef idx="2">
-            <a:schemeClr val="accent1"/>
-          </a:effectRef>
-          <a:fontRef idx="minor">
-            <a:schemeClr val="lt1"/>
-          </a:fontRef>
-        </p:style>
-        <p:txBody>
-          <a:bodyPr rtlCol="0" anchor="ctr"/>
-          <a:lstStyle/>
-          <a:p>
-            <a:pPr algn="ctr"/>
-            <a:endParaRPr lang="en-US"/>
-          </a:p>
-        </p:txBody>
-      </p:sp>
-      <p:pic>
-        <p:nvPicPr>
-          <p:cNvPr id="3" name="Picture 2"/>
-          <p:cNvPicPr>
-            <a:picLocks noChangeAspect="1"/>
-          </p:cNvPicPr>
-          <p:nvPr/>
-        </p:nvPicPr>
-        <p:blipFill>
-          <a:blip r:embed="rId3">
-            <a:extLst>
-              <a:ext uri="{28A0092B-C50C-407E-A947-70E740481C1C}">
-                <a14:useLocalDpi xmlns:a14="http://schemas.microsoft.com/office/drawing/2010/main" val="0"/>
-              </a:ext>
-            </a:extLst>
-          </a:blip>
-          <a:stretch>
-            <a:fillRect/>
-          </a:stretch>
-        </p:blipFill>
-        <p:spPr>
-          <a:xfrm>
-            <a:off x="482353" y="1349381"/>
-            <a:ext cx="3657599" cy="2743200"/>
-          </a:xfrm>
-          <a:prstGeom prst="rect">
-            <a:avLst/>
-          </a:prstGeom>
-        </p:spPr>
-      </p:pic>
-      <p:pic>
-        <p:nvPicPr>
-          <p:cNvPr id="4" name="Picture 3"/>
-          <p:cNvPicPr>
-            <a:picLocks noChangeAspect="1"/>
-          </p:cNvPicPr>
-          <p:nvPr/>
-        </p:nvPicPr>
-        <p:blipFill>
-          <a:blip r:embed="rId4">
-            <a:extLst>
-              <a:ext uri="{28A0092B-C50C-407E-A947-70E740481C1C}">
-                <a14:useLocalDpi xmlns:a14="http://schemas.microsoft.com/office/drawing/2010/main" val="0"/>
-              </a:ext>
-            </a:extLst>
-          </a:blip>
-          <a:stretch>
-            <a:fillRect/>
-          </a:stretch>
-        </p:blipFill>
-        <p:spPr>
-          <a:xfrm>
-            <a:off x="482353" y="4114800"/>
-            <a:ext cx="3657599" cy="2743200"/>
-          </a:xfrm>
-          <a:prstGeom prst="rect">
-            <a:avLst/>
-          </a:prstGeom>
-        </p:spPr>
-      </p:pic>
-      <p:sp>
-        <p:nvSpPr>
-          <p:cNvPr id="16" name="TextBox 15"/>
-          <p:cNvSpPr txBox="1"/>
-          <p:nvPr/>
-        </p:nvSpPr>
-        <p:spPr>
-          <a:xfrm>
-            <a:off x="1570757" y="960997"/>
-            <a:ext cx="1480790" cy="369332"/>
-          </a:xfrm>
-          <a:prstGeom prst="rect">
-            <a:avLst/>
-          </a:prstGeom>
-          <a:noFill/>
-        </p:spPr>
-        <p:txBody>
-          <a:bodyPr wrap="none" rtlCol="0">
-            <a:spAutoFit/>
-          </a:bodyPr>
-          <a:lstStyle/>
-          <a:p>
-            <a:r>
-              <a:rPr lang="en-US" b="1" dirty="0"/>
-              <a:t>Low Accuracy</a:t>
-            </a:r>
-          </a:p>
-        </p:txBody>
-      </p:sp>
-      <p:sp>
-        <p:nvSpPr>
-          <p:cNvPr id="17" name="TextBox 16"/>
-          <p:cNvSpPr txBox="1"/>
-          <p:nvPr/>
-        </p:nvSpPr>
-        <p:spPr>
-          <a:xfrm>
-            <a:off x="6114795" y="958158"/>
-            <a:ext cx="1522917" cy="369332"/>
-          </a:xfrm>
-          <a:prstGeom prst="rect">
-            <a:avLst/>
-          </a:prstGeom>
-          <a:noFill/>
-        </p:spPr>
-        <p:txBody>
-          <a:bodyPr wrap="none" rtlCol="0">
-            <a:spAutoFit/>
-          </a:bodyPr>
-          <a:lstStyle/>
-          <a:p>
-            <a:r>
-              <a:rPr lang="en-US" b="1" dirty="0"/>
-              <a:t>High Accuracy</a:t>
-            </a:r>
-          </a:p>
-        </p:txBody>
-      </p:sp>
-      <p:pic>
-        <p:nvPicPr>
-          <p:cNvPr id="5" name="Picture 4"/>
-          <p:cNvPicPr>
-            <a:picLocks noChangeAspect="1"/>
-          </p:cNvPicPr>
-          <p:nvPr/>
-        </p:nvPicPr>
-        <p:blipFill>
-          <a:blip r:embed="rId5">
-            <a:extLst>
-              <a:ext uri="{28A0092B-C50C-407E-A947-70E740481C1C}">
-                <a14:useLocalDpi xmlns:a14="http://schemas.microsoft.com/office/drawing/2010/main" val="0"/>
-              </a:ext>
-            </a:extLst>
-          </a:blip>
-          <a:stretch>
-            <a:fillRect/>
-          </a:stretch>
-        </p:blipFill>
-        <p:spPr>
-          <a:xfrm>
-            <a:off x="5047456" y="1348111"/>
-            <a:ext cx="3657599" cy="2743200"/>
-          </a:xfrm>
-          <a:prstGeom prst="rect">
-            <a:avLst/>
-          </a:prstGeom>
-        </p:spPr>
-      </p:pic>
-      <p:pic>
-        <p:nvPicPr>
-          <p:cNvPr id="6" name="Picture 5"/>
-          <p:cNvPicPr>
-            <a:picLocks noChangeAspect="1"/>
-          </p:cNvPicPr>
-          <p:nvPr/>
-        </p:nvPicPr>
-        <p:blipFill>
-          <a:blip r:embed="rId6">
-            <a:extLst>
-              <a:ext uri="{28A0092B-C50C-407E-A947-70E740481C1C}">
-                <a14:useLocalDpi xmlns:a14="http://schemas.microsoft.com/office/drawing/2010/main" val="0"/>
-              </a:ext>
-            </a:extLst>
-          </a:blip>
-          <a:stretch>
-            <a:fillRect/>
-          </a:stretch>
-        </p:blipFill>
-        <p:spPr>
-          <a:xfrm>
-            <a:off x="5047455" y="4101183"/>
-            <a:ext cx="3657599" cy="2743200"/>
-          </a:xfrm>
-          <a:prstGeom prst="rect">
-            <a:avLst/>
-          </a:prstGeom>
-        </p:spPr>
-      </p:pic>
-    </p:spTree>
-    <p:extLst>
-      <p:ext uri="{BB962C8B-B14F-4D97-AF65-F5344CB8AC3E}">
-        <p14:creationId xmlns:p14="http://schemas.microsoft.com/office/powerpoint/2010/main" val="3112698110"/>
       </p:ext>
     </p:extLst>
   </p:cSld>
